--- a/Zeitfenster_erw.pptx
+++ b/Zeitfenster_erw.pptx
@@ -1270,7 +1270,7 @@
           <a:p>
             <a:fld id="{19BBE0CC-8E5F-0240-8B04-8C77B2885DE6}" type="datetimeFigureOut">
               <a:rPr lang="de-DE" smtClean="0"/>
-              <a:t>18.01.2018</a:t>
+              <a:t>19.01.2018</a:t>
             </a:fld>
             <a:endParaRPr lang="de-DE"/>
           </a:p>
@@ -1750,7 +1750,7 @@
           <a:p>
             <a:fld id="{21A8E3A6-A206-604F-AC1A-08AA09510464}" type="datetimeFigureOut">
               <a:rPr lang="de-DE" smtClean="0"/>
-              <a:t>18.01.2018</a:t>
+              <a:t>19.01.2018</a:t>
             </a:fld>
             <a:endParaRPr lang="de-DE"/>
           </a:p>
@@ -1918,7 +1918,7 @@
           <a:p>
             <a:fld id="{21A8E3A6-A206-604F-AC1A-08AA09510464}" type="datetimeFigureOut">
               <a:rPr lang="de-DE" smtClean="0"/>
-              <a:t>18.01.2018</a:t>
+              <a:t>19.01.2018</a:t>
             </a:fld>
             <a:endParaRPr lang="de-DE"/>
           </a:p>
@@ -2096,7 +2096,7 @@
           <a:p>
             <a:fld id="{21A8E3A6-A206-604F-AC1A-08AA09510464}" type="datetimeFigureOut">
               <a:rPr lang="de-DE" smtClean="0"/>
-              <a:t>18.01.2018</a:t>
+              <a:t>19.01.2018</a:t>
             </a:fld>
             <a:endParaRPr lang="de-DE"/>
           </a:p>
@@ -2264,7 +2264,7 @@
           <a:p>
             <a:fld id="{21A8E3A6-A206-604F-AC1A-08AA09510464}" type="datetimeFigureOut">
               <a:rPr lang="de-DE" smtClean="0"/>
-              <a:t>18.01.2018</a:t>
+              <a:t>19.01.2018</a:t>
             </a:fld>
             <a:endParaRPr lang="de-DE"/>
           </a:p>
@@ -2509,7 +2509,7 @@
           <a:p>
             <a:fld id="{21A8E3A6-A206-604F-AC1A-08AA09510464}" type="datetimeFigureOut">
               <a:rPr lang="de-DE" smtClean="0"/>
-              <a:t>18.01.2018</a:t>
+              <a:t>19.01.2018</a:t>
             </a:fld>
             <a:endParaRPr lang="de-DE"/>
           </a:p>
@@ -2738,7 +2738,7 @@
           <a:p>
             <a:fld id="{21A8E3A6-A206-604F-AC1A-08AA09510464}" type="datetimeFigureOut">
               <a:rPr lang="de-DE" smtClean="0"/>
-              <a:t>18.01.2018</a:t>
+              <a:t>19.01.2018</a:t>
             </a:fld>
             <a:endParaRPr lang="de-DE"/>
           </a:p>
@@ -3102,7 +3102,7 @@
           <a:p>
             <a:fld id="{21A8E3A6-A206-604F-AC1A-08AA09510464}" type="datetimeFigureOut">
               <a:rPr lang="de-DE" smtClean="0"/>
-              <a:t>18.01.2018</a:t>
+              <a:t>19.01.2018</a:t>
             </a:fld>
             <a:endParaRPr lang="de-DE"/>
           </a:p>
@@ -3219,7 +3219,7 @@
           <a:p>
             <a:fld id="{21A8E3A6-A206-604F-AC1A-08AA09510464}" type="datetimeFigureOut">
               <a:rPr lang="de-DE" smtClean="0"/>
-              <a:t>18.01.2018</a:t>
+              <a:t>19.01.2018</a:t>
             </a:fld>
             <a:endParaRPr lang="de-DE"/>
           </a:p>
@@ -3314,7 +3314,7 @@
           <a:p>
             <a:fld id="{21A8E3A6-A206-604F-AC1A-08AA09510464}" type="datetimeFigureOut">
               <a:rPr lang="de-DE" smtClean="0"/>
-              <a:t>18.01.2018</a:t>
+              <a:t>19.01.2018</a:t>
             </a:fld>
             <a:endParaRPr lang="de-DE"/>
           </a:p>
@@ -3589,7 +3589,7 @@
           <a:p>
             <a:fld id="{21A8E3A6-A206-604F-AC1A-08AA09510464}" type="datetimeFigureOut">
               <a:rPr lang="de-DE" smtClean="0"/>
-              <a:t>18.01.2018</a:t>
+              <a:t>19.01.2018</a:t>
             </a:fld>
             <a:endParaRPr lang="de-DE"/>
           </a:p>
@@ -3841,7 +3841,7 @@
           <a:p>
             <a:fld id="{21A8E3A6-A206-604F-AC1A-08AA09510464}" type="datetimeFigureOut">
               <a:rPr lang="de-DE" smtClean="0"/>
-              <a:t>18.01.2018</a:t>
+              <a:t>19.01.2018</a:t>
             </a:fld>
             <a:endParaRPr lang="de-DE"/>
           </a:p>
@@ -4052,7 +4052,7 @@
           <a:p>
             <a:fld id="{21A8E3A6-A206-604F-AC1A-08AA09510464}" type="datetimeFigureOut">
               <a:rPr lang="de-DE" smtClean="0"/>
-              <a:t>18.01.2018</a:t>
+              <a:t>19.01.2018</a:t>
             </a:fld>
             <a:endParaRPr lang="de-DE"/>
           </a:p>
@@ -4629,7 +4629,7 @@
         </p:nvCxnSpPr>
         <p:spPr>
           <a:xfrm flipV="1">
-            <a:off x="7106769" y="3233980"/>
+            <a:off x="7024219" y="3233980"/>
             <a:ext cx="0" cy="144000"/>
           </a:xfrm>
           <a:prstGeom prst="line">
@@ -4664,7 +4664,7 @@
         </p:nvCxnSpPr>
         <p:spPr>
           <a:xfrm flipV="1">
-            <a:off x="6815328" y="3413595"/>
+            <a:off x="6596973" y="3413595"/>
             <a:ext cx="0" cy="144000"/>
           </a:xfrm>
           <a:prstGeom prst="line">
@@ -4736,7 +4736,7 @@
         </p:nvCxnSpPr>
         <p:spPr>
           <a:xfrm flipV="1">
-            <a:off x="4231827" y="3772823"/>
+            <a:off x="4116887" y="3772823"/>
             <a:ext cx="0" cy="144000"/>
           </a:xfrm>
           <a:prstGeom prst="line">
@@ -4771,7 +4771,7 @@
         </p:nvCxnSpPr>
         <p:spPr>
           <a:xfrm flipV="1">
-            <a:off x="4483287" y="3976528"/>
+            <a:off x="4381687" y="3976528"/>
             <a:ext cx="0" cy="144000"/>
           </a:xfrm>
           <a:prstGeom prst="line">
@@ -4808,7 +4808,7 @@
         </p:nvCxnSpPr>
         <p:spPr>
           <a:xfrm flipV="1">
-            <a:off x="6716268" y="4120528"/>
+            <a:off x="6596973" y="4168656"/>
             <a:ext cx="0" cy="144000"/>
           </a:xfrm>
           <a:prstGeom prst="line">
